--- a/LTI_Angular/PPT/AngularPipes.pptx
+++ b/LTI_Angular/PPT/AngularPipes.pptx
@@ -756,7 +756,7 @@
           <a:p>
             <a:fld id="{D2474CCF-98B4-411A-8810-C31E8C29E19B}" type="datetimeFigureOut">
               <a:rPr lang="en-US" smtClean="0"/>
-              <a:t>6/6/2022</a:t>
+              <a:t>9/15/2022</a:t>
             </a:fld>
             <a:endParaRPr lang="en-US"/>
           </a:p>
@@ -1184,7 +1184,7 @@
           <a:p>
             <a:fld id="{D2474CCF-98B4-411A-8810-C31E8C29E19B}" type="datetimeFigureOut">
               <a:rPr lang="en-US" smtClean="0"/>
-              <a:t>6/6/2022</a:t>
+              <a:t>9/15/2022</a:t>
             </a:fld>
             <a:endParaRPr lang="en-US"/>
           </a:p>
@@ -1392,7 +1392,7 @@
           <a:p>
             <a:fld id="{D2474CCF-98B4-411A-8810-C31E8C29E19B}" type="datetimeFigureOut">
               <a:rPr lang="en-US" smtClean="0"/>
-              <a:t>6/6/2022</a:t>
+              <a:t>9/15/2022</a:t>
             </a:fld>
             <a:endParaRPr lang="en-US"/>
           </a:p>
@@ -2168,7 +2168,7 @@
           <a:p>
             <a:fld id="{D2474CCF-98B4-411A-8810-C31E8C29E19B}" type="datetimeFigureOut">
               <a:rPr lang="en-US" smtClean="0"/>
-              <a:t>6/6/2022</a:t>
+              <a:t>9/15/2022</a:t>
             </a:fld>
             <a:endParaRPr lang="en-US"/>
           </a:p>
@@ -2846,7 +2846,7 @@
           <a:p>
             <a:fld id="{D2474CCF-98B4-411A-8810-C31E8C29E19B}" type="datetimeFigureOut">
               <a:rPr lang="en-US" smtClean="0"/>
-              <a:t>6/6/2022</a:t>
+              <a:t>9/15/2022</a:t>
             </a:fld>
             <a:endParaRPr lang="en-US"/>
           </a:p>
@@ -3537,7 +3537,7 @@
           <a:p>
             <a:fld id="{D2474CCF-98B4-411A-8810-C31E8C29E19B}" type="datetimeFigureOut">
               <a:rPr lang="en-US" smtClean="0"/>
-              <a:t>6/6/2022</a:t>
+              <a:t>9/15/2022</a:t>
             </a:fld>
             <a:endParaRPr lang="en-US"/>
           </a:p>
@@ -4339,7 +4339,7 @@
           <a:p>
             <a:fld id="{D2474CCF-98B4-411A-8810-C31E8C29E19B}" type="datetimeFigureOut">
               <a:rPr lang="en-US" smtClean="0"/>
-              <a:t>6/6/2022</a:t>
+              <a:t>9/15/2022</a:t>
             </a:fld>
             <a:endParaRPr lang="en-US"/>
           </a:p>
@@ -4870,7 +4870,7 @@
           <a:p>
             <a:fld id="{D2474CCF-98B4-411A-8810-C31E8C29E19B}" type="datetimeFigureOut">
               <a:rPr lang="en-US" smtClean="0"/>
-              <a:t>6/6/2022</a:t>
+              <a:t>9/15/2022</a:t>
             </a:fld>
             <a:endParaRPr lang="en-US"/>
           </a:p>
@@ -5373,7 +5373,7 @@
           <a:p>
             <a:fld id="{D2474CCF-98B4-411A-8810-C31E8C29E19B}" type="datetimeFigureOut">
               <a:rPr lang="en-US" smtClean="0"/>
-              <a:t>6/6/2022</a:t>
+              <a:t>9/15/2022</a:t>
             </a:fld>
             <a:endParaRPr lang="en-US"/>
           </a:p>
@@ -5684,7 +5684,7 @@
           <a:p>
             <a:fld id="{D2474CCF-98B4-411A-8810-C31E8C29E19B}" type="datetimeFigureOut">
               <a:rPr lang="en-US" smtClean="0"/>
-              <a:t>6/6/2022</a:t>
+              <a:t>9/15/2022</a:t>
             </a:fld>
             <a:endParaRPr lang="en-US"/>
           </a:p>
@@ -5975,7 +5975,7 @@
           <a:p>
             <a:fld id="{D2474CCF-98B4-411A-8810-C31E8C29E19B}" type="datetimeFigureOut">
               <a:rPr lang="en-US" smtClean="0"/>
-              <a:t>6/6/2022</a:t>
+              <a:t>9/15/2022</a:t>
             </a:fld>
             <a:endParaRPr lang="en-US"/>
           </a:p>
@@ -6216,7 +6216,7 @@
           <a:p>
             <a:fld id="{D2474CCF-98B4-411A-8810-C31E8C29E19B}" type="datetimeFigureOut">
               <a:rPr lang="en-US" smtClean="0"/>
-              <a:t>6/6/2022</a:t>
+              <a:t>9/15/2022</a:t>
             </a:fld>
             <a:endParaRPr lang="en-US"/>
           </a:p>
@@ -9713,7 +9713,7 @@
         <p:spPr>
           <a:xfrm>
             <a:off x="898863" y="1728471"/>
-            <a:ext cx="6094520" cy="369332"/>
+            <a:ext cx="5688368" cy="369332"/>
           </a:xfrm>
           <a:prstGeom prst="rect">
             <a:avLst/>
@@ -10828,7 +10828,7 @@
               <a:tabLst/>
             </a:pPr>
             <a:r>
-              <a:rPr kumimoji="0" lang="en-US" altLang="en-US" b="0" i="0" u="none" strike="noStrike" cap="none" normalizeH="0" baseline="0">
+              <a:rPr kumimoji="0" lang="en-US" altLang="en-US" b="0" i="0" u="none" strike="noStrike" cap="none" normalizeH="0" baseline="0" dirty="0">
                 <a:ln>
                   <a:noFill/>
                 </a:ln>
@@ -10838,10 +10838,36 @@
                 <a:effectLst/>
                 <a:latin typeface="Menlo"/>
               </a:rPr>
-              <a:t>{{ 1234.56 | currency:'CAD' }}</a:t>
-            </a:r>
-            <a:r>
-              <a:rPr kumimoji="0" lang="en-US" altLang="en-US" sz="800" b="0" i="0" u="none" strike="noStrike" cap="none" normalizeH="0" baseline="0">
+              <a:t>{{ 1234.56 | </a:t>
+            </a:r>
+            <a:r>
+              <a:rPr kumimoji="0" lang="en-US" altLang="en-US" b="0" i="0" u="none" strike="noStrike" cap="none" normalizeH="0" baseline="0" dirty="0" err="1">
+                <a:ln>
+                  <a:noFill/>
+                </a:ln>
+                <a:solidFill>
+                  <a:srgbClr val="333333"/>
+                </a:solidFill>
+                <a:effectLst/>
+                <a:latin typeface="Menlo"/>
+              </a:rPr>
+              <a:t>currency:'CAD</a:t>
+            </a:r>
+            <a:r>
+              <a:rPr kumimoji="0" lang="en-US" altLang="en-US" b="0" i="0" u="none" strike="noStrike" cap="none" normalizeH="0" baseline="0" dirty="0">
+                <a:ln>
+                  <a:noFill/>
+                </a:ln>
+                <a:solidFill>
+                  <a:srgbClr val="333333"/>
+                </a:solidFill>
+                <a:effectLst/>
+                <a:latin typeface="Menlo"/>
+              </a:rPr>
+              <a:t>' }}</a:t>
+            </a:r>
+            <a:r>
+              <a:rPr kumimoji="0" lang="en-US" altLang="en-US" sz="800" b="0" i="0" u="none" strike="noStrike" cap="none" normalizeH="0" baseline="0" dirty="0">
                 <a:ln>
                   <a:noFill/>
                 </a:ln>
@@ -10852,7 +10878,7 @@
               </a:rPr>
               <a:t> </a:t>
             </a:r>
-            <a:endParaRPr kumimoji="0" lang="en-US" altLang="en-US" sz="1800" b="0" i="0" u="none" strike="noStrike" cap="none" normalizeH="0" baseline="0">
+            <a:endParaRPr kumimoji="0" lang="en-US" altLang="en-US" sz="1800" b="0" i="0" u="none" strike="noStrike" cap="none" normalizeH="0" baseline="0" dirty="0">
               <a:ln>
                 <a:noFill/>
               </a:ln>
@@ -11715,7 +11741,7 @@
               <a:tabLst/>
             </a:pPr>
             <a:r>
-              <a:rPr kumimoji="0" lang="en-US" altLang="en-US" sz="1000" b="0" i="0" u="none" strike="noStrike" cap="none" normalizeH="0" baseline="0">
+              <a:rPr kumimoji="0" lang="en-US" altLang="en-US" sz="1000" b="0" i="0" u="none" strike="noStrike" cap="none" normalizeH="0" baseline="0" dirty="0">
                 <a:ln>
                   <a:noFill/>
                 </a:ln>
@@ -11728,7 +11754,7 @@
               <a:t>&lt;</a:t>
             </a:r>
             <a:r>
-              <a:rPr kumimoji="0" lang="en-US" altLang="en-US" sz="1000" b="0" i="0" u="none" strike="noStrike" cap="none" normalizeH="0" baseline="0">
+              <a:rPr kumimoji="0" lang="en-US" altLang="en-US" sz="1000" b="0" i="0" u="none" strike="noStrike" cap="none" normalizeH="0" baseline="0" dirty="0">
                 <a:ln>
                   <a:noFill/>
                 </a:ln>
@@ -11741,7 +11767,7 @@
               <a:t>p</a:t>
             </a:r>
             <a:r>
-              <a:rPr kumimoji="0" lang="en-US" altLang="en-US" sz="1000" b="0" i="0" u="none" strike="noStrike" cap="none" normalizeH="0" baseline="0">
+              <a:rPr kumimoji="0" lang="en-US" altLang="en-US" sz="1000" b="0" i="0" u="none" strike="noStrike" cap="none" normalizeH="0" baseline="0" dirty="0">
                 <a:ln>
                   <a:noFill/>
                 </a:ln>
@@ -11754,7 +11780,7 @@
               <a:t>&gt;</a:t>
             </a:r>
             <a:r>
-              <a:rPr kumimoji="0" lang="en-US" altLang="en-US" sz="1000" b="0" i="0" u="none" strike="noStrike" cap="none" normalizeH="0" baseline="0">
+              <a:rPr kumimoji="0" lang="en-US" altLang="en-US" sz="1000" b="0" i="0" u="none" strike="noStrike" cap="none" normalizeH="0" baseline="0" dirty="0">
                 <a:ln>
                   <a:noFill/>
                 </a:ln>
@@ -11764,10 +11790,62 @@
                 <a:effectLst/>
                 <a:latin typeface="Consolas" panose="020B0609020204030204" pitchFamily="49" charset="0"/>
               </a:rPr>
-              <a:t>{{ dateVal | date: 'fullDate' }}</a:t>
-            </a:r>
-            <a:r>
-              <a:rPr kumimoji="0" lang="en-US" altLang="en-US" sz="1000" b="0" i="0" u="none" strike="noStrike" cap="none" normalizeH="0" baseline="0">
+              <a:t>{{ </a:t>
+            </a:r>
+            <a:r>
+              <a:rPr kumimoji="0" lang="en-US" altLang="en-US" sz="1000" b="0" i="0" u="none" strike="noStrike" cap="none" normalizeH="0" baseline="0" dirty="0" err="1">
+                <a:ln>
+                  <a:noFill/>
+                </a:ln>
+                <a:solidFill>
+                  <a:srgbClr val="000000"/>
+                </a:solidFill>
+                <a:effectLst/>
+                <a:latin typeface="Consolas" panose="020B0609020204030204" pitchFamily="49" charset="0"/>
+              </a:rPr>
+              <a:t>dateVal</a:t>
+            </a:r>
+            <a:r>
+              <a:rPr kumimoji="0" lang="en-US" altLang="en-US" sz="1000" b="0" i="0" u="none" strike="noStrike" cap="none" normalizeH="0" baseline="0" dirty="0">
+                <a:ln>
+                  <a:noFill/>
+                </a:ln>
+                <a:solidFill>
+                  <a:srgbClr val="000000"/>
+                </a:solidFill>
+                <a:effectLst/>
+                <a:latin typeface="Consolas" panose="020B0609020204030204" pitchFamily="49" charset="0"/>
+              </a:rPr>
+              <a:t> | date: '</a:t>
+            </a:r>
+            <a:r>
+              <a:rPr kumimoji="0" lang="en-US" altLang="en-US" sz="1000" b="0" i="0" u="none" strike="noStrike" cap="none" normalizeH="0" baseline="0" dirty="0" err="1">
+                <a:ln>
+                  <a:noFill/>
+                </a:ln>
+                <a:solidFill>
+                  <a:srgbClr val="000000"/>
+                </a:solidFill>
+                <a:effectLst/>
+                <a:latin typeface="Consolas" panose="020B0609020204030204" pitchFamily="49" charset="0"/>
+              </a:rPr>
+              <a:t>fullDate</a:t>
+            </a:r>
+            <a:r>
+              <a:rPr kumimoji="0" lang="en-US" altLang="en-US" sz="1000" b="0" i="0" u="none" strike="noStrike" cap="none" normalizeH="0" baseline="0" dirty="0">
+                <a:ln>
+                  <a:noFill/>
+                </a:ln>
+                <a:solidFill>
+                  <a:srgbClr val="000000"/>
+                </a:solidFill>
+                <a:effectLst/>
+                <a:latin typeface="Consolas" panose="020B0609020204030204" pitchFamily="49" charset="0"/>
+              </a:rPr>
+              <a:t>' }}</a:t>
+            </a:r>
+            <a:r>
+              <a:rPr kumimoji="0" lang="en-US" altLang="en-US" sz="1000" b="0" i="0" u="none" strike="noStrike" cap="none" normalizeH="0" baseline="0" dirty="0">
                 <a:ln>
                   <a:noFill/>
                 </a:ln>
@@ -11780,7 +11858,7 @@
               <a:t>&lt;/</a:t>
             </a:r>
             <a:r>
-              <a:rPr kumimoji="0" lang="en-US" altLang="en-US" sz="1000" b="0" i="0" u="none" strike="noStrike" cap="none" normalizeH="0" baseline="0">
+              <a:rPr kumimoji="0" lang="en-US" altLang="en-US" sz="1000" b="0" i="0" u="none" strike="noStrike" cap="none" normalizeH="0" baseline="0" dirty="0">
                 <a:ln>
                   <a:noFill/>
                 </a:ln>
@@ -11793,7 +11871,7 @@
               <a:t>p</a:t>
             </a:r>
             <a:r>
-              <a:rPr kumimoji="0" lang="en-US" altLang="en-US" sz="1000" b="0" i="0" u="none" strike="noStrike" cap="none" normalizeH="0" baseline="0">
+              <a:rPr kumimoji="0" lang="en-US" altLang="en-US" sz="1000" b="0" i="0" u="none" strike="noStrike" cap="none" normalizeH="0" baseline="0" dirty="0">
                 <a:ln>
                   <a:noFill/>
                 </a:ln>
@@ -11806,7 +11884,7 @@
               <a:t>&gt;</a:t>
             </a:r>
             <a:r>
-              <a:rPr kumimoji="0" lang="en-US" altLang="en-US" sz="800" b="0" i="0" u="none" strike="noStrike" cap="none" normalizeH="0" baseline="0">
+              <a:rPr kumimoji="0" lang="en-US" altLang="en-US" sz="800" b="0" i="0" u="none" strike="noStrike" cap="none" normalizeH="0" baseline="0" dirty="0">
                 <a:ln>
                   <a:noFill/>
                 </a:ln>
@@ -11817,7 +11895,7 @@
               </a:rPr>
               <a:t> </a:t>
             </a:r>
-            <a:endParaRPr kumimoji="0" lang="en-US" altLang="en-US" sz="1800" b="0" i="0" u="none" strike="noStrike" cap="none" normalizeH="0" baseline="0">
+            <a:endParaRPr kumimoji="0" lang="en-US" altLang="en-US" sz="1800" b="0" i="0" u="none" strike="noStrike" cap="none" normalizeH="0" baseline="0" dirty="0">
               <a:ln>
                 <a:noFill/>
               </a:ln>
